--- a/gabriela's_work/Project 1 Presentation copy.pptx
+++ b/gabriela's_work/Project 1 Presentation copy.pptx
@@ -130,6 +130,50 @@
 </p:presentation>
 </file>
 
+<file path=ppt/revisionInfo.xml><?xml version="1.0" encoding="utf-8"?>
+<p1510:revInfo xmlns:a="http://schemas.openxmlformats.org/drawingml/2006/main" xmlns:r="http://schemas.openxmlformats.org/officeDocument/2006/relationships" xmlns:p1510="http://schemas.microsoft.com/office/powerpoint/2015/10/main">
+  <p1510:revLst>
+    <p1510:client id="{B3168242-F708-4C65-B567-820A7E6B2FD3}" v="4" dt="2024-06-15T15:50:41.071"/>
+  </p1510:revLst>
+</p1510:revInfo>
+</file>
+
+<file path=ppt/changesInfos/changesInfo1.xml><?xml version="1.0" encoding="utf-8"?>
+<pc:chgInfo xmlns:a="http://schemas.openxmlformats.org/drawingml/2006/main" xmlns:r="http://schemas.openxmlformats.org/officeDocument/2006/relationships" xmlns:ac="http://schemas.microsoft.com/office/drawing/2013/main/command" xmlns:pc="http://schemas.microsoft.com/office/powerpoint/2013/main/command">
+  <pc:docChgLst>
+    <pc:chgData name="Gabriela Zarate" userId="3f0c7f0d94a01900" providerId="LiveId" clId="{B3168242-F708-4C65-B567-820A7E6B2FD3}"/>
+    <pc:docChg chg="modSld">
+      <pc:chgData name="Gabriela Zarate" userId="3f0c7f0d94a01900" providerId="LiveId" clId="{B3168242-F708-4C65-B567-820A7E6B2FD3}" dt="2024-06-14T01:30:14.202" v="18" actId="20577"/>
+      <pc:docMkLst>
+        <pc:docMk/>
+      </pc:docMkLst>
+      <pc:sldChg chg="modNotesTx">
+        <pc:chgData name="Gabriela Zarate" userId="3f0c7f0d94a01900" providerId="LiveId" clId="{B3168242-F708-4C65-B567-820A7E6B2FD3}" dt="2024-06-12T01:50:27.310" v="0" actId="20577"/>
+        <pc:sldMkLst>
+          <pc:docMk/>
+          <pc:sldMk cId="4214920346" sldId="256"/>
+        </pc:sldMkLst>
+      </pc:sldChg>
+      <pc:sldChg chg="modSp mod">
+        <pc:chgData name="Gabriela Zarate" userId="3f0c7f0d94a01900" providerId="LiveId" clId="{B3168242-F708-4C65-B567-820A7E6B2FD3}" dt="2024-06-14T01:30:14.202" v="18" actId="20577"/>
+        <pc:sldMkLst>
+          <pc:docMk/>
+          <pc:sldMk cId="675742992" sldId="273"/>
+        </pc:sldMkLst>
+        <pc:spChg chg="mod">
+          <ac:chgData name="Gabriela Zarate" userId="3f0c7f0d94a01900" providerId="LiveId" clId="{B3168242-F708-4C65-B567-820A7E6B2FD3}" dt="2024-06-14T01:30:14.202" v="18" actId="20577"/>
+          <ac:spMkLst>
+            <pc:docMk/>
+            <pc:sldMk cId="675742992" sldId="273"/>
+            <ac:spMk id="3" creationId="{EE2ACB71-0271-AFD8-4F31-A072B7DABF0B}"/>
+          </ac:spMkLst>
+        </pc:spChg>
+      </pc:sldChg>
+    </pc:docChg>
+  </pc:docChgLst>
+</pc:chgInfo>
+</file>
+
 <file path=ppt/notesMasters/notesMaster1.xml><?xml version="1.0" encoding="utf-8"?>
 <p:notesMaster xmlns:a="http://schemas.openxmlformats.org/drawingml/2006/main" xmlns:r="http://schemas.openxmlformats.org/officeDocument/2006/relationships" xmlns:p="http://schemas.openxmlformats.org/presentationml/2006/main">
   <p:cSld>
@@ -212,7 +256,7 @@
           <a:p>
             <a:fld id="{4EA875D4-9DB1-40D1-B68E-B1241908A2C4}" type="datetimeFigureOut">
               <a:rPr lang="en-US" smtClean="0"/>
-              <a:t>6/9/2024</a:t>
+              <a:t>6/15/2024</a:t>
             </a:fld>
             <a:endParaRPr lang="en-US"/>
           </a:p>
@@ -556,7 +600,7 @@
                 <a:ea typeface="Aptos" panose="020B0004020202020204" pitchFamily="34" charset="0"/>
                 <a:cs typeface="Times New Roman" panose="02020603050405020304" pitchFamily="18" charset="0"/>
               </a:rPr>
-              <a:t>my name is Gabriela and </a:t>
+              <a:t>my name is Gabriela, and </a:t>
             </a:r>
             <a:r>
               <a:rPr lang="en-US" sz="1800" kern="100" dirty="0" err="1">
@@ -2937,7 +2981,7 @@
           <a:p>
             <a:fld id="{02AC24A9-CCB6-4F8D-B8DB-C2F3692CFA5A}" type="datetimeFigureOut">
               <a:rPr lang="en-US" smtClean="0"/>
-              <a:t>6/9/2024</a:t>
+              <a:t>6/15/2024</a:t>
             </a:fld>
             <a:endParaRPr lang="en-US" dirty="0"/>
           </a:p>
@@ -3165,7 +3209,7 @@
           <a:p>
             <a:fld id="{02AC24A9-CCB6-4F8D-B8DB-C2F3692CFA5A}" type="datetimeFigureOut">
               <a:rPr lang="en-US" smtClean="0"/>
-              <a:t>6/9/2024</a:t>
+              <a:t>6/15/2024</a:t>
             </a:fld>
             <a:endParaRPr lang="en-US"/>
           </a:p>
@@ -3345,7 +3389,7 @@
           <a:p>
             <a:fld id="{02AC24A9-CCB6-4F8D-B8DB-C2F3692CFA5A}" type="datetimeFigureOut">
               <a:rPr lang="en-US" smtClean="0"/>
-              <a:t>6/9/2024</a:t>
+              <a:t>6/15/2024</a:t>
             </a:fld>
             <a:endParaRPr lang="en-US"/>
           </a:p>
@@ -3515,7 +3559,7 @@
           <a:p>
             <a:fld id="{02AC24A9-CCB6-4F8D-B8DB-C2F3692CFA5A}" type="datetimeFigureOut">
               <a:rPr lang="en-US" smtClean="0"/>
-              <a:t>6/9/2024</a:t>
+              <a:t>6/15/2024</a:t>
             </a:fld>
             <a:endParaRPr lang="en-US"/>
           </a:p>
@@ -3769,7 +3813,7 @@
           <a:p>
             <a:fld id="{02AC24A9-CCB6-4F8D-B8DB-C2F3692CFA5A}" type="datetimeFigureOut">
               <a:rPr lang="en-US" smtClean="0"/>
-              <a:t>6/9/2024</a:t>
+              <a:t>6/15/2024</a:t>
             </a:fld>
             <a:endParaRPr lang="en-US"/>
           </a:p>
@@ -4095,7 +4139,7 @@
           <a:p>
             <a:fld id="{02AC24A9-CCB6-4F8D-B8DB-C2F3692CFA5A}" type="datetimeFigureOut">
               <a:rPr lang="en-US" smtClean="0"/>
-              <a:t>6/9/2024</a:t>
+              <a:t>6/15/2024</a:t>
             </a:fld>
             <a:endParaRPr lang="en-US"/>
           </a:p>
@@ -4546,7 +4590,7 @@
           <a:p>
             <a:fld id="{02AC24A9-CCB6-4F8D-B8DB-C2F3692CFA5A}" type="datetimeFigureOut">
               <a:rPr lang="en-US" smtClean="0"/>
-              <a:t>6/9/2024</a:t>
+              <a:t>6/15/2024</a:t>
             </a:fld>
             <a:endParaRPr lang="en-US"/>
           </a:p>
@@ -4664,7 +4708,7 @@
           <a:p>
             <a:fld id="{02AC24A9-CCB6-4F8D-B8DB-C2F3692CFA5A}" type="datetimeFigureOut">
               <a:rPr lang="en-US" smtClean="0"/>
-              <a:t>6/9/2024</a:t>
+              <a:t>6/15/2024</a:t>
             </a:fld>
             <a:endParaRPr lang="en-US"/>
           </a:p>
@@ -4759,7 +4803,7 @@
           <a:p>
             <a:fld id="{02AC24A9-CCB6-4F8D-B8DB-C2F3692CFA5A}" type="datetimeFigureOut">
               <a:rPr lang="en-US" smtClean="0"/>
-              <a:t>6/9/2024</a:t>
+              <a:t>6/15/2024</a:t>
             </a:fld>
             <a:endParaRPr lang="en-US"/>
           </a:p>
@@ -5046,7 +5090,7 @@
           <a:p>
             <a:fld id="{02AC24A9-CCB6-4F8D-B8DB-C2F3692CFA5A}" type="datetimeFigureOut">
               <a:rPr lang="en-US" smtClean="0"/>
-              <a:t>6/9/2024</a:t>
+              <a:t>6/15/2024</a:t>
             </a:fld>
             <a:endParaRPr lang="en-US" dirty="0"/>
           </a:p>
@@ -5368,7 +5412,7 @@
           <a:p>
             <a:fld id="{02AC24A9-CCB6-4F8D-B8DB-C2F3692CFA5A}" type="datetimeFigureOut">
               <a:rPr lang="en-US" smtClean="0"/>
-              <a:t>6/9/2024</a:t>
+              <a:t>6/15/2024</a:t>
             </a:fld>
             <a:endParaRPr lang="en-US"/>
           </a:p>
@@ -5625,7 +5669,7 @@
           <a:p>
             <a:fld id="{02AC24A9-CCB6-4F8D-B8DB-C2F3692CFA5A}" type="datetimeFigureOut">
               <a:rPr lang="en-US" smtClean="0"/>
-              <a:t>6/9/2024</a:t>
+              <a:t>6/15/2024</a:t>
             </a:fld>
             <a:endParaRPr lang="en-US"/>
           </a:p>
@@ -6629,7 +6673,7 @@
                   <a:schemeClr val="tx1"/>
                 </a:solidFill>
               </a:rPr>
-              <a:t>Hip hop, EDM</a:t>
+              <a:t>Hip hop, EDM and Metal</a:t>
             </a:r>
           </a:p>
           <a:p>
